--- a/iot_spring2/src/main/webapp/WEB-INF/views/db/ermaster/ermaster_ppt.pptx
+++ b/iot_spring2/src/main/webapp/WEB-INF/views/db/ermaster/ermaster_ppt.pptx
@@ -15,27 +15,26 @@
     <p:sldId id="264" r:id="rId9"/>
     <p:sldId id="265" r:id="rId10"/>
     <p:sldId id="267" r:id="rId11"/>
-    <p:sldId id="259" r:id="rId12"/>
   </p:sldIdLst>
   <p:sldSz cx="9144000" cy="6858000" type="screen4x3"/>
   <p:notesSz cx="6858000" cy="9144000"/>
   <p:embeddedFontLst>
     <p:embeddedFont>
+      <p:font typeface="맑은 고딕" pitchFamily="50" charset="-127"/>
+      <p:regular r:id="rId12"/>
+      <p:bold r:id="rId13"/>
+    </p:embeddedFont>
+    <p:embeddedFont>
       <p:font typeface="a옛날목욕탕M" pitchFamily="18" charset="-127"/>
-      <p:regular r:id="rId13"/>
+      <p:regular r:id="rId14"/>
     </p:embeddedFont>
     <p:embeddedFont>
       <p:font typeface="a옛날목욕탕L" pitchFamily="18" charset="-127"/>
-      <p:regular r:id="rId14"/>
-    </p:embeddedFont>
-    <p:embeddedFont>
-      <p:font typeface="맑은 고딕" pitchFamily="50" charset="-127"/>
       <p:regular r:id="rId15"/>
-      <p:bold r:id="rId16"/>
     </p:embeddedFont>
     <p:embeddedFont>
       <p:font typeface="a옛날목욕탕B" pitchFamily="18" charset="-127"/>
-      <p:regular r:id="rId17"/>
+      <p:regular r:id="rId16"/>
     </p:embeddedFont>
   </p:embeddedFontLst>
   <p:defaultTextStyle>
@@ -317,7 +316,7 @@
           <a:p>
             <a:fld id="{A643A276-3D8B-4F89-91E1-AB6E4EF25AD0}" type="datetimeFigureOut">
               <a:rPr lang="ko-KR" altLang="en-US" smtClean="0"/>
-              <a:t>2018-02-22</a:t>
+              <a:t>2018-02-23</a:t>
             </a:fld>
             <a:endParaRPr lang="ko-KR" altLang="en-US"/>
           </a:p>
@@ -487,7 +486,7 @@
           <a:p>
             <a:fld id="{A643A276-3D8B-4F89-91E1-AB6E4EF25AD0}" type="datetimeFigureOut">
               <a:rPr lang="ko-KR" altLang="en-US" smtClean="0"/>
-              <a:t>2018-02-22</a:t>
+              <a:t>2018-02-23</a:t>
             </a:fld>
             <a:endParaRPr lang="ko-KR" altLang="en-US"/>
           </a:p>
@@ -667,7 +666,7 @@
           <a:p>
             <a:fld id="{A643A276-3D8B-4F89-91E1-AB6E4EF25AD0}" type="datetimeFigureOut">
               <a:rPr lang="ko-KR" altLang="en-US" smtClean="0"/>
-              <a:t>2018-02-22</a:t>
+              <a:t>2018-02-23</a:t>
             </a:fld>
             <a:endParaRPr lang="ko-KR" altLang="en-US"/>
           </a:p>
@@ -837,7 +836,7 @@
           <a:p>
             <a:fld id="{A643A276-3D8B-4F89-91E1-AB6E4EF25AD0}" type="datetimeFigureOut">
               <a:rPr lang="ko-KR" altLang="en-US" smtClean="0"/>
-              <a:t>2018-02-22</a:t>
+              <a:t>2018-02-23</a:t>
             </a:fld>
             <a:endParaRPr lang="ko-KR" altLang="en-US"/>
           </a:p>
@@ -1083,7 +1082,7 @@
           <a:p>
             <a:fld id="{A643A276-3D8B-4F89-91E1-AB6E4EF25AD0}" type="datetimeFigureOut">
               <a:rPr lang="ko-KR" altLang="en-US" smtClean="0"/>
-              <a:t>2018-02-22</a:t>
+              <a:t>2018-02-23</a:t>
             </a:fld>
             <a:endParaRPr lang="ko-KR" altLang="en-US"/>
           </a:p>
@@ -1371,7 +1370,7 @@
           <a:p>
             <a:fld id="{A643A276-3D8B-4F89-91E1-AB6E4EF25AD0}" type="datetimeFigureOut">
               <a:rPr lang="ko-KR" altLang="en-US" smtClean="0"/>
-              <a:t>2018-02-22</a:t>
+              <a:t>2018-02-23</a:t>
             </a:fld>
             <a:endParaRPr lang="ko-KR" altLang="en-US"/>
           </a:p>
@@ -1793,7 +1792,7 @@
           <a:p>
             <a:fld id="{A643A276-3D8B-4F89-91E1-AB6E4EF25AD0}" type="datetimeFigureOut">
               <a:rPr lang="ko-KR" altLang="en-US" smtClean="0"/>
-              <a:t>2018-02-22</a:t>
+              <a:t>2018-02-23</a:t>
             </a:fld>
             <a:endParaRPr lang="ko-KR" altLang="en-US"/>
           </a:p>
@@ -1911,7 +1910,7 @@
           <a:p>
             <a:fld id="{A643A276-3D8B-4F89-91E1-AB6E4EF25AD0}" type="datetimeFigureOut">
               <a:rPr lang="ko-KR" altLang="en-US" smtClean="0"/>
-              <a:t>2018-02-22</a:t>
+              <a:t>2018-02-23</a:t>
             </a:fld>
             <a:endParaRPr lang="ko-KR" altLang="en-US"/>
           </a:p>
@@ -2006,7 +2005,7 @@
           <a:p>
             <a:fld id="{A643A276-3D8B-4F89-91E1-AB6E4EF25AD0}" type="datetimeFigureOut">
               <a:rPr lang="ko-KR" altLang="en-US" smtClean="0"/>
-              <a:t>2018-02-22</a:t>
+              <a:t>2018-02-23</a:t>
             </a:fld>
             <a:endParaRPr lang="ko-KR" altLang="en-US"/>
           </a:p>
@@ -2283,7 +2282,7 @@
           <a:p>
             <a:fld id="{A643A276-3D8B-4F89-91E1-AB6E4EF25AD0}" type="datetimeFigureOut">
               <a:rPr lang="ko-KR" altLang="en-US" smtClean="0"/>
-              <a:t>2018-02-22</a:t>
+              <a:t>2018-02-23</a:t>
             </a:fld>
             <a:endParaRPr lang="ko-KR" altLang="en-US"/>
           </a:p>
@@ -2536,7 +2535,7 @@
           <a:p>
             <a:fld id="{A643A276-3D8B-4F89-91E1-AB6E4EF25AD0}" type="datetimeFigureOut">
               <a:rPr lang="ko-KR" altLang="en-US" smtClean="0"/>
-              <a:t>2018-02-22</a:t>
+              <a:t>2018-02-23</a:t>
             </a:fld>
             <a:endParaRPr lang="ko-KR" altLang="en-US"/>
           </a:p>
@@ -2749,7 +2748,7 @@
           <a:p>
             <a:fld id="{A643A276-3D8B-4F89-91E1-AB6E4EF25AD0}" type="datetimeFigureOut">
               <a:rPr lang="ko-KR" altLang="en-US" smtClean="0"/>
-              <a:t>2018-02-22</a:t>
+              <a:t>2018-02-23</a:t>
             </a:fld>
             <a:endParaRPr lang="ko-KR" altLang="en-US"/>
           </a:p>
@@ -3399,11 +3398,11 @@
           <a:lstStyle/>
           <a:p>
             <a:r>
-              <a:rPr lang="ko-KR" altLang="en-US" dirty="0" smtClean="0">
+              <a:rPr lang="en-US" altLang="ko-KR" dirty="0" smtClean="0">
                 <a:latin typeface="a옛날목욕탕M" pitchFamily="18" charset="-127"/>
                 <a:ea typeface="a옛날목욕탕M" pitchFamily="18" charset="-127"/>
               </a:rPr>
-              <a:t>여기는 설명 페이지</a:t>
+              <a:t>2.</a:t>
             </a:r>
             <a:endParaRPr lang="ko-KR" altLang="en-US" dirty="0">
               <a:latin typeface="a옛날목욕탕M" pitchFamily="18" charset="-127"/>
@@ -3692,153 +3691,6 @@
 </p:sld>
 </file>
 
-<file path=ppt/slides/slide11.xml><?xml version="1.0" encoding="utf-8"?>
-<p:sld xmlns:a="http://schemas.openxmlformats.org/drawingml/2006/main" xmlns:r="http://schemas.openxmlformats.org/officeDocument/2006/relationships" xmlns:p="http://schemas.openxmlformats.org/presentationml/2006/main">
-  <p:cSld>
-    <p:spTree>
-      <p:nvGrpSpPr>
-        <p:cNvPr id="1" name=""/>
-        <p:cNvGrpSpPr/>
-        <p:nvPr/>
-      </p:nvGrpSpPr>
-      <p:grpSpPr>
-        <a:xfrm>
-          <a:off x="0" y="0"/>
-          <a:ext cx="0" cy="0"/>
-          <a:chOff x="0" y="0"/>
-          <a:chExt cx="0" cy="0"/>
-        </a:xfrm>
-      </p:grpSpPr>
-      <p:sp>
-        <p:nvSpPr>
-          <p:cNvPr id="3" name="내용 개체 틀 2"/>
-          <p:cNvSpPr>
-            <a:spLocks noGrp="1"/>
-          </p:cNvSpPr>
-          <p:nvPr>
-            <p:ph idx="1"/>
-          </p:nvPr>
-        </p:nvSpPr>
-        <p:spPr>
-          <a:xfrm>
-            <a:off x="3095836" y="2635878"/>
-            <a:ext cx="2952328" cy="792088"/>
-          </a:xfrm>
-        </p:spPr>
-        <p:txBody>
-          <a:bodyPr>
-            <a:noAutofit/>
-          </a:bodyPr>
-          <a:lstStyle/>
-          <a:p>
-            <a:pPr marL="0" indent="0" algn="ctr">
-              <a:buNone/>
-            </a:pPr>
-            <a:r>
-              <a:rPr lang="ko-KR" altLang="en-US" sz="4500" dirty="0" smtClean="0">
-                <a:solidFill>
-                  <a:srgbClr val="0070C0"/>
-                </a:solidFill>
-                <a:latin typeface="a옛날목욕탕L" pitchFamily="18" charset="-127"/>
-                <a:ea typeface="a옛날목욕탕L" pitchFamily="18" charset="-127"/>
-              </a:rPr>
-              <a:t>감사합니다</a:t>
-            </a:r>
-            <a:endParaRPr lang="ko-KR" altLang="en-US" sz="4500" dirty="0">
-              <a:solidFill>
-                <a:srgbClr val="0070C0"/>
-              </a:solidFill>
-              <a:latin typeface="a옛날목욕탕L" pitchFamily="18" charset="-127"/>
-              <a:ea typeface="a옛날목욕탕L" pitchFamily="18" charset="-127"/>
-            </a:endParaRPr>
-          </a:p>
-        </p:txBody>
-      </p:sp>
-      <p:cxnSp>
-        <p:nvCxnSpPr>
-          <p:cNvPr id="5" name="직선 연결선 4"/>
-          <p:cNvCxnSpPr/>
-          <p:nvPr/>
-        </p:nvCxnSpPr>
-        <p:spPr>
-          <a:xfrm>
-            <a:off x="5724128" y="3315780"/>
-            <a:ext cx="3528392" cy="0"/>
-          </a:xfrm>
-          <a:prstGeom prst="line">
-            <a:avLst/>
-          </a:prstGeom>
-          <a:ln>
-            <a:solidFill>
-              <a:srgbClr val="0070C0"/>
-            </a:solidFill>
-          </a:ln>
-          <a:effectLst/>
-        </p:spPr>
-        <p:style>
-          <a:lnRef idx="3">
-            <a:schemeClr val="accent1"/>
-          </a:lnRef>
-          <a:fillRef idx="0">
-            <a:schemeClr val="accent1"/>
-          </a:fillRef>
-          <a:effectRef idx="2">
-            <a:schemeClr val="accent1"/>
-          </a:effectRef>
-          <a:fontRef idx="minor">
-            <a:schemeClr val="tx1"/>
-          </a:fontRef>
-        </p:style>
-      </p:cxnSp>
-      <p:cxnSp>
-        <p:nvCxnSpPr>
-          <p:cNvPr id="10" name="직선 연결선 9"/>
-          <p:cNvCxnSpPr/>
-          <p:nvPr/>
-        </p:nvCxnSpPr>
-        <p:spPr>
-          <a:xfrm flipH="1">
-            <a:off x="-108520" y="2791762"/>
-            <a:ext cx="3672408" cy="0"/>
-          </a:xfrm>
-          <a:prstGeom prst="line">
-            <a:avLst/>
-          </a:prstGeom>
-          <a:ln>
-            <a:solidFill>
-              <a:srgbClr val="0070C0"/>
-            </a:solidFill>
-          </a:ln>
-          <a:effectLst/>
-        </p:spPr>
-        <p:style>
-          <a:lnRef idx="3">
-            <a:schemeClr val="accent1"/>
-          </a:lnRef>
-          <a:fillRef idx="0">
-            <a:schemeClr val="accent1"/>
-          </a:fillRef>
-          <a:effectRef idx="2">
-            <a:schemeClr val="accent1"/>
-          </a:effectRef>
-          <a:fontRef idx="minor">
-            <a:schemeClr val="tx1"/>
-          </a:fontRef>
-        </p:style>
-      </p:cxnSp>
-    </p:spTree>
-    <p:extLst>
-      <p:ext uri="{BB962C8B-B14F-4D97-AF65-F5344CB8AC3E}">
-        <p14:creationId xmlns:p14="http://schemas.microsoft.com/office/powerpoint/2010/main" val="2132497842"/>
-      </p:ext>
-    </p:extLst>
-  </p:cSld>
-  <p:clrMapOvr>
-    <a:masterClrMapping/>
-  </p:clrMapOvr>
-</p:sld>
-</file>
-
 <file path=ppt/slides/slide2.xml><?xml version="1.0" encoding="utf-8"?>
 <p:sld xmlns:a="http://schemas.openxmlformats.org/drawingml/2006/main" xmlns:r="http://schemas.openxmlformats.org/officeDocument/2006/relationships" xmlns:p="http://schemas.openxmlformats.org/presentationml/2006/main">
   <p:cSld>
@@ -4025,52 +3877,13 @@
               <a:t> </a:t>
             </a:r>
             <a:r>
-              <a:rPr lang="ko-KR" altLang="en-US" sz="3000" dirty="0">
-                <a:latin typeface="a옛날목욕탕B" pitchFamily="18" charset="-127"/>
-                <a:ea typeface="a옛날목욕탕B" pitchFamily="18" charset="-127"/>
-              </a:rPr>
-              <a:t>기능설명</a:t>
-            </a:r>
-          </a:p>
-          <a:p>
-            <a:pPr>
-              <a:spcAft>
-                <a:spcPts val="1200"/>
-              </a:spcAft>
-              <a:buClr>
-                <a:schemeClr val="accent1"/>
-              </a:buClr>
-              <a:buFont typeface="Wingdings" pitchFamily="2" charset="2"/>
-              <a:buChar char="§"/>
-            </a:pPr>
-            <a:r>
               <a:rPr lang="ko-KR" altLang="en-US" sz="3000" dirty="0" smtClean="0">
                 <a:latin typeface="a옛날목욕탕B" pitchFamily="18" charset="-127"/>
                 <a:ea typeface="a옛날목욕탕B" pitchFamily="18" charset="-127"/>
               </a:rPr>
-              <a:t>또는 </a:t>
-            </a:r>
-            <a:r>
-              <a:rPr lang="ko-KR" altLang="en-US" sz="3000" dirty="0" smtClean="0">
-                <a:latin typeface="a옛날목욕탕B" pitchFamily="18" charset="-127"/>
-                <a:ea typeface="a옛날목욕탕B" pitchFamily="18" charset="-127"/>
-              </a:rPr>
-              <a:t>이렇게</a:t>
-            </a:r>
-            <a:endParaRPr lang="en-US" altLang="ko-KR" sz="3000" dirty="0" smtClean="0">
-              <a:latin typeface="a옛날목욕탕B" pitchFamily="18" charset="-127"/>
-              <a:ea typeface="a옛날목욕탕B" pitchFamily="18" charset="-127"/>
-            </a:endParaRPr>
-          </a:p>
-          <a:p>
-            <a:pPr>
-              <a:buClr>
-                <a:schemeClr val="accent1"/>
-              </a:buClr>
-              <a:buFont typeface="Wingdings" pitchFamily="2" charset="2"/>
-              <a:buChar char="§"/>
-            </a:pPr>
-            <a:endParaRPr lang="ko-KR" altLang="en-US" dirty="0">
+              <a:t>기능설명</a:t>
+            </a:r>
+            <a:endParaRPr lang="ko-KR" altLang="en-US" sz="3000" dirty="0">
               <a:latin typeface="a옛날목욕탕B" pitchFamily="18" charset="-127"/>
               <a:ea typeface="a옛날목욕탕B" pitchFamily="18" charset="-127"/>
             </a:endParaRPr>
@@ -4900,11 +4713,11 @@
           <a:lstStyle/>
           <a:p>
             <a:r>
-              <a:rPr lang="ko-KR" altLang="en-US" dirty="0" smtClean="0">
+              <a:rPr lang="en-US" altLang="ko-KR" dirty="0" smtClean="0">
                 <a:latin typeface="a옛날목욕탕M" pitchFamily="18" charset="-127"/>
                 <a:ea typeface="a옛날목욕탕M" pitchFamily="18" charset="-127"/>
               </a:rPr>
-              <a:t>여기는 설명 페이지</a:t>
+              <a:t>1.</a:t>
             </a:r>
             <a:endParaRPr lang="ko-KR" altLang="en-US" dirty="0">
               <a:latin typeface="a옛날목욕탕M" pitchFamily="18" charset="-127"/>
@@ -5251,11 +5064,11 @@
           <a:lstStyle/>
           <a:p>
             <a:r>
-              <a:rPr lang="ko-KR" altLang="en-US" dirty="0" smtClean="0">
+              <a:rPr lang="en-US" altLang="ko-KR" dirty="0" smtClean="0">
                 <a:latin typeface="a옛날목욕탕M" pitchFamily="18" charset="-127"/>
                 <a:ea typeface="a옛날목욕탕M" pitchFamily="18" charset="-127"/>
               </a:rPr>
-              <a:t>여기는 설명 페이지</a:t>
+              <a:t>2.</a:t>
             </a:r>
             <a:endParaRPr lang="ko-KR" altLang="en-US" dirty="0">
               <a:latin typeface="a옛날목욕탕M" pitchFamily="18" charset="-127"/>
@@ -5616,11 +5429,11 @@
           <a:lstStyle/>
           <a:p>
             <a:r>
-              <a:rPr lang="ko-KR" altLang="en-US" dirty="0" smtClean="0">
+              <a:rPr lang="en-US" altLang="ko-KR" dirty="0" smtClean="0">
                 <a:latin typeface="a옛날목욕탕M" pitchFamily="18" charset="-127"/>
                 <a:ea typeface="a옛날목욕탕M" pitchFamily="18" charset="-127"/>
               </a:rPr>
-              <a:t>여기는 설명 페이지</a:t>
+              <a:t>1.</a:t>
             </a:r>
             <a:endParaRPr lang="ko-KR" altLang="en-US" dirty="0">
               <a:latin typeface="a옛날목욕탕M" pitchFamily="18" charset="-127"/>
